--- a/_semester_1/_pattern_recognition/_presentations/The unreasonable effectiveness of Recurrent Neural Networks.pptx
+++ b/_semester_1/_pattern_recognition/_presentations/The unreasonable effectiveness of Recurrent Neural Networks.pptx
@@ -10,10 +10,8 @@
     <p:sldId id="258" r:id="rId4"/>
     <p:sldId id="259" r:id="rId5"/>
     <p:sldId id="263" r:id="rId6"/>
-    <p:sldId id="262" r:id="rId7"/>
-    <p:sldId id="260" r:id="rId8"/>
-    <p:sldId id="264" r:id="rId9"/>
-    <p:sldId id="261" r:id="rId10"/>
+    <p:sldId id="260" r:id="rId7"/>
+    <p:sldId id="264" r:id="rId8"/>
   </p:sldIdLst>
   <p:sldSz cx="12192000" cy="6858000"/>
   <p:notesSz cx="6858000" cy="9144000"/>
@@ -112,6 +110,11 @@
       </a:defRPr>
     </a:lvl9pPr>
   </p:defaultTextStyle>
+  <p:extLst>
+    <p:ext uri="{EFAFB233-063F-42B5-8137-9DF3F51BA10A}">
+      <p15:sldGuideLst xmlns:p15="http://schemas.microsoft.com/office/powerpoint/2012/main"/>
+    </p:ext>
+  </p:extLst>
 </p:presentation>
 </file>
 
@@ -246,7 +249,7 @@
           <a:p>
             <a:fld id="{526C63EF-A388-4216-A90E-B0E72226C59E}" type="datetimeFigureOut">
               <a:rPr lang="es-CO" smtClean="0"/>
-              <a:t>20/11/2017</a:t>
+              <a:t>21/11/2017</a:t>
             </a:fld>
             <a:endParaRPr lang="es-CO"/>
           </a:p>
@@ -416,7 +419,7 @@
           <a:p>
             <a:fld id="{526C63EF-A388-4216-A90E-B0E72226C59E}" type="datetimeFigureOut">
               <a:rPr lang="es-CO" smtClean="0"/>
-              <a:t>20/11/2017</a:t>
+              <a:t>21/11/2017</a:t>
             </a:fld>
             <a:endParaRPr lang="es-CO"/>
           </a:p>
@@ -596,7 +599,7 @@
           <a:p>
             <a:fld id="{526C63EF-A388-4216-A90E-B0E72226C59E}" type="datetimeFigureOut">
               <a:rPr lang="es-CO" smtClean="0"/>
-              <a:t>20/11/2017</a:t>
+              <a:t>21/11/2017</a:t>
             </a:fld>
             <a:endParaRPr lang="es-CO"/>
           </a:p>
@@ -766,7 +769,7 @@
           <a:p>
             <a:fld id="{526C63EF-A388-4216-A90E-B0E72226C59E}" type="datetimeFigureOut">
               <a:rPr lang="es-CO" smtClean="0"/>
-              <a:t>20/11/2017</a:t>
+              <a:t>21/11/2017</a:t>
             </a:fld>
             <a:endParaRPr lang="es-CO"/>
           </a:p>
@@ -1012,7 +1015,7 @@
           <a:p>
             <a:fld id="{526C63EF-A388-4216-A90E-B0E72226C59E}" type="datetimeFigureOut">
               <a:rPr lang="es-CO" smtClean="0"/>
-              <a:t>20/11/2017</a:t>
+              <a:t>21/11/2017</a:t>
             </a:fld>
             <a:endParaRPr lang="es-CO"/>
           </a:p>
@@ -1244,7 +1247,7 @@
           <a:p>
             <a:fld id="{526C63EF-A388-4216-A90E-B0E72226C59E}" type="datetimeFigureOut">
               <a:rPr lang="es-CO" smtClean="0"/>
-              <a:t>20/11/2017</a:t>
+              <a:t>21/11/2017</a:t>
             </a:fld>
             <a:endParaRPr lang="es-CO"/>
           </a:p>
@@ -1611,7 +1614,7 @@
           <a:p>
             <a:fld id="{526C63EF-A388-4216-A90E-B0E72226C59E}" type="datetimeFigureOut">
               <a:rPr lang="es-CO" smtClean="0"/>
-              <a:t>20/11/2017</a:t>
+              <a:t>21/11/2017</a:t>
             </a:fld>
             <a:endParaRPr lang="es-CO"/>
           </a:p>
@@ -1729,7 +1732,7 @@
           <a:p>
             <a:fld id="{526C63EF-A388-4216-A90E-B0E72226C59E}" type="datetimeFigureOut">
               <a:rPr lang="es-CO" smtClean="0"/>
-              <a:t>20/11/2017</a:t>
+              <a:t>21/11/2017</a:t>
             </a:fld>
             <a:endParaRPr lang="es-CO"/>
           </a:p>
@@ -1824,7 +1827,7 @@
           <a:p>
             <a:fld id="{526C63EF-A388-4216-A90E-B0E72226C59E}" type="datetimeFigureOut">
               <a:rPr lang="es-CO" smtClean="0"/>
-              <a:t>20/11/2017</a:t>
+              <a:t>21/11/2017</a:t>
             </a:fld>
             <a:endParaRPr lang="es-CO"/>
           </a:p>
@@ -2101,7 +2104,7 @@
           <a:p>
             <a:fld id="{526C63EF-A388-4216-A90E-B0E72226C59E}" type="datetimeFigureOut">
               <a:rPr lang="es-CO" smtClean="0"/>
-              <a:t>20/11/2017</a:t>
+              <a:t>21/11/2017</a:t>
             </a:fld>
             <a:endParaRPr lang="es-CO"/>
           </a:p>
@@ -2354,7 +2357,7 @@
           <a:p>
             <a:fld id="{526C63EF-A388-4216-A90E-B0E72226C59E}" type="datetimeFigureOut">
               <a:rPr lang="es-CO" smtClean="0"/>
-              <a:t>20/11/2017</a:t>
+              <a:t>21/11/2017</a:t>
             </a:fld>
             <a:endParaRPr lang="es-CO"/>
           </a:p>
@@ -2567,7 +2570,7 @@
           <a:p>
             <a:fld id="{526C63EF-A388-4216-A90E-B0E72226C59E}" type="datetimeFigureOut">
               <a:rPr lang="es-CO" smtClean="0"/>
-              <a:t>20/11/2017</a:t>
+              <a:t>21/11/2017</a:t>
             </a:fld>
             <a:endParaRPr lang="es-CO"/>
           </a:p>
@@ -3215,8 +3218,8 @@
           </a:extLst>
         </p:spPr>
       </p:pic>
-      <mc:AlternateContent xmlns:mc="http://schemas.openxmlformats.org/markup-compatibility/2006">
-        <mc:Choice xmlns:a14="http://schemas.microsoft.com/office/drawing/2010/main" Requires="a14">
+      <mc:AlternateContent xmlns:mc="http://schemas.openxmlformats.org/markup-compatibility/2006" xmlns:a14="http://schemas.microsoft.com/office/drawing/2010/main">
+        <mc:Choice Requires="a14">
           <p:sp>
             <p:nvSpPr>
               <p:cNvPr id="4" name="TextBox 3"/>
@@ -3239,6 +3242,7 @@
               </a:bodyPr>
               <a:lstStyle/>
               <a:p>
+                <a:pPr/>
                 <a14:m>
                   <m:oMathPara xmlns:m="http://schemas.openxmlformats.org/officeDocument/2006/math">
                     <m:oMathParaPr>
@@ -3338,7 +3342,7 @@
             </p:txBody>
           </p:sp>
         </mc:Choice>
-        <mc:Fallback>
+        <mc:Fallback xmlns="">
           <p:sp>
             <p:nvSpPr>
               <p:cNvPr id="4" name="TextBox 3"/>
@@ -3377,8 +3381,8 @@
           </p:sp>
         </mc:Fallback>
       </mc:AlternateContent>
-      <mc:AlternateContent xmlns:mc="http://schemas.openxmlformats.org/markup-compatibility/2006">
-        <mc:Choice xmlns:a14="http://schemas.microsoft.com/office/drawing/2010/main" Requires="a14">
+      <mc:AlternateContent xmlns:mc="http://schemas.openxmlformats.org/markup-compatibility/2006" xmlns:a14="http://schemas.microsoft.com/office/drawing/2010/main">
+        <mc:Choice Requires="a14">
           <p:sp>
             <p:nvSpPr>
               <p:cNvPr id="6" name="TextBox 5"/>
@@ -3401,6 +3405,7 @@
               </a:bodyPr>
               <a:lstStyle/>
               <a:p>
+                <a:pPr/>
                 <a14:m>
                   <m:oMathPara xmlns:m="http://schemas.openxmlformats.org/officeDocument/2006/math">
                     <m:oMathParaPr>
@@ -3488,7 +3493,7 @@
             </p:txBody>
           </p:sp>
         </mc:Choice>
-        <mc:Fallback>
+        <mc:Fallback xmlns="">
           <p:sp>
             <p:nvSpPr>
               <p:cNvPr id="6" name="TextBox 5"/>
@@ -3527,8 +3532,8 @@
           </p:sp>
         </mc:Fallback>
       </mc:AlternateContent>
-      <mc:AlternateContent xmlns:mc="http://schemas.openxmlformats.org/markup-compatibility/2006">
-        <mc:Choice xmlns:a14="http://schemas.microsoft.com/office/drawing/2010/main" Requires="a14">
+      <mc:AlternateContent xmlns:mc="http://schemas.openxmlformats.org/markup-compatibility/2006" xmlns:a14="http://schemas.microsoft.com/office/drawing/2010/main">
+        <mc:Choice Requires="a14">
           <p:sp>
             <p:nvSpPr>
               <p:cNvPr id="5" name="TextBox 4"/>
@@ -3551,6 +3556,7 @@
               </a:bodyPr>
               <a:lstStyle/>
               <a:p>
+                <a:pPr/>
                 <a14:m>
                   <m:oMathPara xmlns:m="http://schemas.openxmlformats.org/officeDocument/2006/math">
                     <m:oMathParaPr>
@@ -3688,7 +3694,7 @@
             </p:txBody>
           </p:sp>
         </mc:Choice>
-        <mc:Fallback>
+        <mc:Fallback xmlns="">
           <p:sp>
             <p:nvSpPr>
               <p:cNvPr id="5" name="TextBox 4"/>
@@ -3727,8 +3733,8 @@
           </p:sp>
         </mc:Fallback>
       </mc:AlternateContent>
-      <mc:AlternateContent xmlns:mc="http://schemas.openxmlformats.org/markup-compatibility/2006">
-        <mc:Choice xmlns:a14="http://schemas.microsoft.com/office/drawing/2010/main" Requires="a14">
+      <mc:AlternateContent xmlns:mc="http://schemas.openxmlformats.org/markup-compatibility/2006" xmlns:a14="http://schemas.microsoft.com/office/drawing/2010/main">
+        <mc:Choice Requires="a14">
           <p:sp>
             <p:nvSpPr>
               <p:cNvPr id="8" name="TextBox 7"/>
@@ -3751,6 +3757,7 @@
               </a:bodyPr>
               <a:lstStyle/>
               <a:p>
+                <a:pPr/>
                 <a14:m>
                   <m:oMathPara xmlns:m="http://schemas.openxmlformats.org/officeDocument/2006/math">
                     <m:oMathParaPr>
@@ -3850,7 +3857,7 @@
             </p:txBody>
           </p:sp>
         </mc:Choice>
-        <mc:Fallback>
+        <mc:Fallback xmlns="">
           <p:sp>
             <p:nvSpPr>
               <p:cNvPr id="8" name="TextBox 7"/>
@@ -4090,35 +4097,350 @@
           <a:p>
             <a:r>
               <a:rPr lang="en-US" b="1" dirty="0" smtClean="0"/>
-              <a:t>How do they work?</a:t>
-            </a:r>
-            <a:endParaRPr lang="es-CO" b="1" dirty="0"/>
-          </a:p>
-        </p:txBody>
-      </p:sp>
-      <p:sp>
-        <p:nvSpPr>
-          <p:cNvPr id="3" name="Content Placeholder 2"/>
-          <p:cNvSpPr>
-            <a:spLocks noGrp="1"/>
-          </p:cNvSpPr>
-          <p:nvPr>
-            <p:ph idx="1"/>
-          </p:nvPr>
-        </p:nvSpPr>
-        <p:spPr/>
-        <p:txBody>
-          <a:bodyPr/>
-          <a:lstStyle/>
-          <a:p>
-            <a:endParaRPr lang="es-CO"/>
+              <a:t>Character-Level Language Models</a:t>
+            </a:r>
+          </a:p>
+        </p:txBody>
+      </p:sp>
+      <p:sp>
+        <p:nvSpPr>
+          <p:cNvPr id="5" name="Rounded Rectangle 4"/>
+          <p:cNvSpPr/>
+          <p:nvPr/>
+        </p:nvSpPr>
+        <p:spPr>
+          <a:xfrm>
+            <a:off x="475892" y="1561382"/>
+            <a:ext cx="3027872" cy="5089584"/>
+          </a:xfrm>
+          <a:prstGeom prst="roundRect">
+            <a:avLst/>
+          </a:prstGeom>
+        </p:spPr>
+        <p:style>
+          <a:lnRef idx="2">
+            <a:schemeClr val="accent1">
+              <a:shade val="50000"/>
+            </a:schemeClr>
+          </a:lnRef>
+          <a:fillRef idx="1">
+            <a:schemeClr val="accent1"/>
+          </a:fillRef>
+          <a:effectRef idx="0">
+            <a:schemeClr val="accent1"/>
+          </a:effectRef>
+          <a:fontRef idx="minor">
+            <a:schemeClr val="lt1"/>
+          </a:fontRef>
+        </p:style>
+        <p:txBody>
+          <a:bodyPr rtlCol="0" anchor="ctr"/>
+          <a:lstStyle/>
+          <a:p>
+            <a:pPr algn="ctr"/>
+            <a:r>
+              <a:rPr lang="en-US" dirty="0" smtClean="0"/>
+              <a:t>Shakespeare</a:t>
+            </a:r>
+            <a:endParaRPr lang="en-US" dirty="0" smtClean="0"/>
+          </a:p>
+          <a:p>
+            <a:pPr algn="ctr"/>
+            <a:endParaRPr lang="en-US" dirty="0"/>
+          </a:p>
+          <a:p>
+            <a:pPr algn="ctr"/>
+            <a:endParaRPr lang="en-US" dirty="0" smtClean="0"/>
+          </a:p>
+          <a:p>
+            <a:pPr algn="ctr"/>
+            <a:endParaRPr lang="en-US" dirty="0"/>
+          </a:p>
+          <a:p>
+            <a:pPr algn="ctr"/>
+            <a:endParaRPr lang="en-US" dirty="0" smtClean="0"/>
+          </a:p>
+          <a:p>
+            <a:pPr algn="ctr"/>
+            <a:endParaRPr lang="en-US" dirty="0"/>
+          </a:p>
+          <a:p>
+            <a:pPr algn="ctr"/>
+            <a:endParaRPr lang="en-US" dirty="0" smtClean="0"/>
+          </a:p>
+          <a:p>
+            <a:pPr algn="ctr"/>
+            <a:endParaRPr lang="en-US" dirty="0"/>
+          </a:p>
+          <a:p>
+            <a:pPr algn="ctr"/>
+            <a:endParaRPr lang="en-US" dirty="0" smtClean="0"/>
+          </a:p>
+          <a:p>
+            <a:pPr algn="ctr"/>
+            <a:endParaRPr lang="en-US" dirty="0"/>
+          </a:p>
+          <a:p>
+            <a:pPr algn="ctr"/>
+            <a:endParaRPr lang="en-US" dirty="0" smtClean="0"/>
+          </a:p>
+          <a:p>
+            <a:pPr algn="ctr"/>
+            <a:endParaRPr lang="en-US" dirty="0"/>
+          </a:p>
+          <a:p>
+            <a:pPr algn="ctr"/>
+            <a:endParaRPr lang="en-US" dirty="0" smtClean="0"/>
+          </a:p>
+          <a:p>
+            <a:pPr algn="ctr"/>
+            <a:endParaRPr lang="en-US" dirty="0"/>
+          </a:p>
+          <a:p>
+            <a:pPr algn="ctr"/>
+            <a:endParaRPr lang="en-US" dirty="0" smtClean="0"/>
+          </a:p>
+          <a:p>
+            <a:pPr algn="ctr"/>
+            <a:endParaRPr lang="en-US" dirty="0"/>
+          </a:p>
+          <a:p>
+            <a:pPr algn="ctr"/>
+            <a:endParaRPr lang="en-US" dirty="0" smtClean="0"/>
+          </a:p>
+          <a:p>
+            <a:pPr algn="ctr"/>
+            <a:endParaRPr lang="es-CO" dirty="0"/>
+          </a:p>
+        </p:txBody>
+      </p:sp>
+      <p:sp>
+        <p:nvSpPr>
+          <p:cNvPr id="6" name="Rounded Rectangle 5"/>
+          <p:cNvSpPr/>
+          <p:nvPr/>
+        </p:nvSpPr>
+        <p:spPr>
+          <a:xfrm>
+            <a:off x="4618009" y="1561382"/>
+            <a:ext cx="3027872" cy="5089584"/>
+          </a:xfrm>
+          <a:prstGeom prst="roundRect">
+            <a:avLst/>
+          </a:prstGeom>
+        </p:spPr>
+        <p:style>
+          <a:lnRef idx="2">
+            <a:schemeClr val="accent1">
+              <a:shade val="50000"/>
+            </a:schemeClr>
+          </a:lnRef>
+          <a:fillRef idx="1">
+            <a:schemeClr val="accent1"/>
+          </a:fillRef>
+          <a:effectRef idx="0">
+            <a:schemeClr val="accent1"/>
+          </a:effectRef>
+          <a:fontRef idx="minor">
+            <a:schemeClr val="lt1"/>
+          </a:fontRef>
+        </p:style>
+        <p:txBody>
+          <a:bodyPr rtlCol="0" anchor="ctr"/>
+          <a:lstStyle/>
+          <a:p>
+            <a:pPr algn="ctr"/>
+            <a:r>
+              <a:rPr lang="en-US" dirty="0" smtClean="0"/>
+              <a:t>Wikipedia</a:t>
+            </a:r>
+          </a:p>
+          <a:p>
+            <a:pPr algn="ctr"/>
+            <a:endParaRPr lang="en-US" dirty="0"/>
+          </a:p>
+          <a:p>
+            <a:pPr algn="ctr"/>
+            <a:endParaRPr lang="en-US" dirty="0" smtClean="0"/>
+          </a:p>
+          <a:p>
+            <a:pPr algn="ctr"/>
+            <a:endParaRPr lang="en-US" dirty="0"/>
+          </a:p>
+          <a:p>
+            <a:pPr algn="ctr"/>
+            <a:endParaRPr lang="en-US" dirty="0" smtClean="0"/>
+          </a:p>
+          <a:p>
+            <a:pPr algn="ctr"/>
+            <a:endParaRPr lang="en-US" dirty="0"/>
+          </a:p>
+          <a:p>
+            <a:pPr algn="ctr"/>
+            <a:endParaRPr lang="en-US" dirty="0" smtClean="0"/>
+          </a:p>
+          <a:p>
+            <a:pPr algn="ctr"/>
+            <a:endParaRPr lang="en-US" dirty="0"/>
+          </a:p>
+          <a:p>
+            <a:pPr algn="ctr"/>
+            <a:endParaRPr lang="en-US" dirty="0" smtClean="0"/>
+          </a:p>
+          <a:p>
+            <a:pPr algn="ctr"/>
+            <a:endParaRPr lang="en-US" dirty="0"/>
+          </a:p>
+          <a:p>
+            <a:pPr algn="ctr"/>
+            <a:endParaRPr lang="en-US" dirty="0" smtClean="0"/>
+          </a:p>
+          <a:p>
+            <a:pPr algn="ctr"/>
+            <a:endParaRPr lang="en-US" dirty="0"/>
+          </a:p>
+          <a:p>
+            <a:pPr algn="ctr"/>
+            <a:endParaRPr lang="en-US" dirty="0" smtClean="0"/>
+          </a:p>
+          <a:p>
+            <a:pPr algn="ctr"/>
+            <a:endParaRPr lang="en-US" dirty="0"/>
+          </a:p>
+          <a:p>
+            <a:pPr algn="ctr"/>
+            <a:endParaRPr lang="en-US" dirty="0" smtClean="0"/>
+          </a:p>
+          <a:p>
+            <a:pPr algn="ctr"/>
+            <a:endParaRPr lang="en-US" dirty="0"/>
+          </a:p>
+          <a:p>
+            <a:pPr algn="ctr"/>
+            <a:endParaRPr lang="en-US" dirty="0" smtClean="0"/>
+          </a:p>
+          <a:p>
+            <a:pPr algn="ctr"/>
+            <a:endParaRPr lang="es-CO" dirty="0"/>
+          </a:p>
+        </p:txBody>
+      </p:sp>
+      <p:pic>
+        <p:nvPicPr>
+          <p:cNvPr id="3" name="Picture 2"/>
+          <p:cNvPicPr>
+            <a:picLocks noChangeAspect="1"/>
+          </p:cNvPicPr>
+          <p:nvPr/>
+        </p:nvPicPr>
+        <p:blipFill>
+          <a:blip r:embed="rId2"/>
+          <a:stretch>
+            <a:fillRect/>
+          </a:stretch>
+        </p:blipFill>
+        <p:spPr>
+          <a:xfrm>
+            <a:off x="338927" y="2277374"/>
+            <a:ext cx="3301802" cy="3657600"/>
+          </a:xfrm>
+          <a:prstGeom prst="rect">
+            <a:avLst/>
+          </a:prstGeom>
+        </p:spPr>
+      </p:pic>
+      <p:pic>
+        <p:nvPicPr>
+          <p:cNvPr id="7" name="Picture 6"/>
+          <p:cNvPicPr>
+            <a:picLocks noChangeAspect="1"/>
+          </p:cNvPicPr>
+          <p:nvPr/>
+        </p:nvPicPr>
+        <p:blipFill>
+          <a:blip r:embed="rId3"/>
+          <a:stretch>
+            <a:fillRect/>
+          </a:stretch>
+        </p:blipFill>
+        <p:spPr>
+          <a:xfrm>
+            <a:off x="4063074" y="2963174"/>
+            <a:ext cx="4137742" cy="2286000"/>
+          </a:xfrm>
+          <a:prstGeom prst="rect">
+            <a:avLst/>
+          </a:prstGeom>
+        </p:spPr>
+      </p:pic>
+      <p:sp>
+        <p:nvSpPr>
+          <p:cNvPr id="8" name="TextBox 7"/>
+          <p:cNvSpPr txBox="1"/>
+          <p:nvPr/>
+        </p:nvSpPr>
+        <p:spPr>
+          <a:xfrm>
+            <a:off x="8533048" y="1690688"/>
+            <a:ext cx="2862579" cy="2308324"/>
+          </a:xfrm>
+          <a:prstGeom prst="rect">
+            <a:avLst/>
+          </a:prstGeom>
+          <a:noFill/>
+        </p:spPr>
+        <p:txBody>
+          <a:bodyPr wrap="none" rtlCol="0">
+            <a:spAutoFit/>
+          </a:bodyPr>
+          <a:lstStyle/>
+          <a:p>
+            <a:endParaRPr lang="en-US" dirty="0" smtClean="0"/>
+          </a:p>
+          <a:p>
+            <a:r>
+              <a:rPr lang="en-US" dirty="0" smtClean="0"/>
+              <a:t>RNN applied</a:t>
+            </a:r>
+            <a:endParaRPr lang="en-US" dirty="0"/>
+          </a:p>
+          <a:p>
+            <a:endParaRPr lang="en-US" dirty="0" smtClean="0"/>
+          </a:p>
+          <a:p>
+            <a:endParaRPr lang="en-US" dirty="0" smtClean="0"/>
+          </a:p>
+          <a:p>
+            <a:r>
+              <a:rPr lang="en-US" dirty="0" smtClean="0"/>
+              <a:t>3-layer RNN</a:t>
+            </a:r>
+          </a:p>
+          <a:p>
+            <a:r>
+              <a:rPr lang="en-US" dirty="0" smtClean="0"/>
+              <a:t>~512 hidden nodes per layer</a:t>
+            </a:r>
+          </a:p>
+          <a:p>
+            <a:r>
+              <a:rPr lang="en-US" dirty="0" smtClean="0"/>
+              <a:t>LSTM</a:t>
+            </a:r>
+          </a:p>
+          <a:p>
+            <a:r>
+              <a:rPr lang="en-US" dirty="0" smtClean="0"/>
+              <a:t>(Long-short term memory)</a:t>
+            </a:r>
+            <a:endParaRPr lang="en-US" dirty="0"/>
           </a:p>
         </p:txBody>
       </p:sp>
     </p:spTree>
     <p:extLst>
       <p:ext uri="{BB962C8B-B14F-4D97-AF65-F5344CB8AC3E}">
-        <p14:creationId xmlns:p14="http://schemas.microsoft.com/office/powerpoint/2010/main" val="2383344927"/>
+        <p14:creationId xmlns:p14="http://schemas.microsoft.com/office/powerpoint/2010/main" val="1540228545"/>
       </p:ext>
     </p:extLst>
   </p:cSld>
@@ -4164,7 +4486,6 @@
               <a:rPr lang="en-US" b="1" dirty="0" smtClean="0"/>
               <a:t>Character-Level Language Models</a:t>
             </a:r>
-            <a:endParaRPr lang="en-US" b="1" dirty="0" smtClean="0"/>
           </a:p>
         </p:txBody>
       </p:sp>
@@ -4176,7 +4497,7 @@
         </p:nvSpPr>
         <p:spPr>
           <a:xfrm>
-            <a:off x="1061049" y="1526876"/>
+            <a:off x="2122097" y="1492370"/>
             <a:ext cx="3027872" cy="5089584"/>
           </a:xfrm>
           <a:prstGeom prst="roundRect">
@@ -4206,7 +4527,7 @@
             <a:pPr algn="ctr"/>
             <a:r>
               <a:rPr lang="en-US" dirty="0" smtClean="0"/>
-              <a:t>Paul Graham generator</a:t>
+              <a:t>Algebraic geometry (latex)</a:t>
             </a:r>
           </a:p>
           <a:p>
@@ -4287,7 +4608,7 @@
         </p:nvSpPr>
         <p:spPr>
           <a:xfrm>
-            <a:off x="4297393" y="1526876"/>
+            <a:off x="5952477" y="1492370"/>
             <a:ext cx="3027872" cy="5089584"/>
           </a:xfrm>
           <a:prstGeom prst="roundRect">
@@ -4316,9 +4637,16 @@
           <a:p>
             <a:pPr algn="ctr"/>
             <a:r>
-              <a:rPr lang="en-US" dirty="0" err="1" smtClean="0"/>
-              <a:t>Shaskespeare</a:t>
-            </a:r>
+              <a:rPr lang="en-US" dirty="0" smtClean="0"/>
+              <a:t>Linux source code</a:t>
+            </a:r>
+          </a:p>
+          <a:p>
+            <a:pPr algn="ctr"/>
+            <a:endParaRPr lang="en-US" dirty="0"/>
+          </a:p>
+          <a:p>
+            <a:pPr algn="ctr"/>
             <a:endParaRPr lang="en-US" dirty="0" smtClean="0"/>
           </a:p>
           <a:p>
@@ -4379,591 +4707,62 @@
           </a:p>
           <a:p>
             <a:pPr algn="ctr"/>
-            <a:endParaRPr lang="en-US" dirty="0"/>
-          </a:p>
-          <a:p>
-            <a:pPr algn="ctr"/>
-            <a:endParaRPr lang="en-US" dirty="0" smtClean="0"/>
-          </a:p>
-          <a:p>
-            <a:pPr algn="ctr"/>
             <a:endParaRPr lang="es-CO" dirty="0"/>
           </a:p>
         </p:txBody>
       </p:sp>
-      <p:sp>
-        <p:nvSpPr>
-          <p:cNvPr id="6" name="Rounded Rectangle 5"/>
-          <p:cNvSpPr/>
+      <p:pic>
+        <p:nvPicPr>
+          <p:cNvPr id="3" name="Picture 2"/>
+          <p:cNvPicPr>
+            <a:picLocks noChangeAspect="1"/>
+          </p:cNvPicPr>
           <p:nvPr/>
-        </p:nvSpPr>
+        </p:nvPicPr>
+        <p:blipFill>
+          <a:blip r:embed="rId2"/>
+          <a:stretch>
+            <a:fillRect/>
+          </a:stretch>
+        </p:blipFill>
         <p:spPr>
           <a:xfrm>
-            <a:off x="7533737" y="1526876"/>
-            <a:ext cx="3027872" cy="5089584"/>
+            <a:off x="2231050" y="2208362"/>
+            <a:ext cx="2809966" cy="3657600"/>
           </a:xfrm>
-          <a:prstGeom prst="roundRect">
+          <a:prstGeom prst="rect">
             <a:avLst/>
           </a:prstGeom>
         </p:spPr>
-        <p:style>
-          <a:lnRef idx="2">
-            <a:schemeClr val="accent1">
-              <a:shade val="50000"/>
-            </a:schemeClr>
-          </a:lnRef>
-          <a:fillRef idx="1">
-            <a:schemeClr val="accent1"/>
-          </a:fillRef>
-          <a:effectRef idx="0">
-            <a:schemeClr val="accent1"/>
-          </a:effectRef>
-          <a:fontRef idx="minor">
-            <a:schemeClr val="lt1"/>
-          </a:fontRef>
-        </p:style>
-        <p:txBody>
-          <a:bodyPr rtlCol="0" anchor="ctr"/>
-          <a:lstStyle/>
-          <a:p>
-            <a:pPr algn="ctr"/>
-            <a:r>
-              <a:rPr lang="en-US" dirty="0" smtClean="0"/>
-              <a:t>Wikipedia</a:t>
-            </a:r>
-          </a:p>
-          <a:p>
-            <a:pPr algn="ctr"/>
-            <a:endParaRPr lang="en-US" dirty="0"/>
-          </a:p>
-          <a:p>
-            <a:pPr algn="ctr"/>
-            <a:endParaRPr lang="en-US" dirty="0" smtClean="0"/>
-          </a:p>
-          <a:p>
-            <a:pPr algn="ctr"/>
-            <a:endParaRPr lang="en-US" dirty="0"/>
-          </a:p>
-          <a:p>
-            <a:pPr algn="ctr"/>
-            <a:endParaRPr lang="en-US" dirty="0" smtClean="0"/>
-          </a:p>
-          <a:p>
-            <a:pPr algn="ctr"/>
-            <a:endParaRPr lang="en-US" dirty="0"/>
-          </a:p>
-          <a:p>
-            <a:pPr algn="ctr"/>
-            <a:endParaRPr lang="en-US" dirty="0" smtClean="0"/>
-          </a:p>
-          <a:p>
-            <a:pPr algn="ctr"/>
-            <a:endParaRPr lang="en-US" dirty="0"/>
-          </a:p>
-          <a:p>
-            <a:pPr algn="ctr"/>
-            <a:endParaRPr lang="en-US" dirty="0" smtClean="0"/>
-          </a:p>
-          <a:p>
-            <a:pPr algn="ctr"/>
-            <a:endParaRPr lang="en-US" dirty="0"/>
-          </a:p>
-          <a:p>
-            <a:pPr algn="ctr"/>
-            <a:endParaRPr lang="en-US" dirty="0" smtClean="0"/>
-          </a:p>
-          <a:p>
-            <a:pPr algn="ctr"/>
-            <a:endParaRPr lang="en-US" dirty="0"/>
-          </a:p>
-          <a:p>
-            <a:pPr algn="ctr"/>
-            <a:endParaRPr lang="en-US" dirty="0" smtClean="0"/>
-          </a:p>
-          <a:p>
-            <a:pPr algn="ctr"/>
-            <a:endParaRPr lang="en-US" dirty="0"/>
-          </a:p>
-          <a:p>
-            <a:pPr algn="ctr"/>
-            <a:endParaRPr lang="en-US" dirty="0" smtClean="0"/>
-          </a:p>
-          <a:p>
-            <a:pPr algn="ctr"/>
-            <a:endParaRPr lang="en-US" dirty="0"/>
-          </a:p>
-          <a:p>
-            <a:pPr algn="ctr"/>
-            <a:endParaRPr lang="en-US" dirty="0" smtClean="0"/>
-          </a:p>
-          <a:p>
-            <a:pPr algn="ctr"/>
-            <a:endParaRPr lang="es-CO" dirty="0"/>
-          </a:p>
-        </p:txBody>
-      </p:sp>
-    </p:spTree>
-    <p:extLst>
-      <p:ext uri="{BB962C8B-B14F-4D97-AF65-F5344CB8AC3E}">
-        <p14:creationId xmlns:p14="http://schemas.microsoft.com/office/powerpoint/2010/main" val="1540228545"/>
-      </p:ext>
-    </p:extLst>
-  </p:cSld>
-  <p:clrMapOvr>
-    <a:masterClrMapping/>
-  </p:clrMapOvr>
-</p:sld>
-</file>
-
-<file path=ppt/slides/slide8.xml><?xml version="1.0" encoding="utf-8"?>
-<p:sld xmlns:a="http://schemas.openxmlformats.org/drawingml/2006/main" xmlns:r="http://schemas.openxmlformats.org/officeDocument/2006/relationships" xmlns:p="http://schemas.openxmlformats.org/presentationml/2006/main">
-  <p:cSld>
-    <p:spTree>
-      <p:nvGrpSpPr>
-        <p:cNvPr id="1" name=""/>
-        <p:cNvGrpSpPr/>
-        <p:nvPr/>
-      </p:nvGrpSpPr>
-      <p:grpSpPr>
-        <a:xfrm>
-          <a:off x="0" y="0"/>
-          <a:ext cx="0" cy="0"/>
-          <a:chOff x="0" y="0"/>
-          <a:chExt cx="0" cy="0"/>
-        </a:xfrm>
-      </p:grpSpPr>
-      <p:sp>
-        <p:nvSpPr>
-          <p:cNvPr id="2" name="Title 1"/>
-          <p:cNvSpPr>
-            <a:spLocks noGrp="1"/>
-          </p:cNvSpPr>
-          <p:nvPr>
-            <p:ph type="title"/>
-          </p:nvPr>
-        </p:nvSpPr>
-        <p:spPr/>
-        <p:txBody>
-          <a:bodyPr/>
-          <a:lstStyle/>
-          <a:p>
-            <a:r>
-              <a:rPr lang="en-US" b="1" dirty="0" smtClean="0"/>
-              <a:t>Character-Level Language Models</a:t>
-            </a:r>
-            <a:endParaRPr lang="en-US" b="1" dirty="0" smtClean="0"/>
-          </a:p>
-        </p:txBody>
-      </p:sp>
-      <p:sp>
-        <p:nvSpPr>
-          <p:cNvPr id="4" name="Rounded Rectangle 3"/>
-          <p:cNvSpPr/>
+      </p:pic>
+      <p:pic>
+        <p:nvPicPr>
+          <p:cNvPr id="7" name="Picture 6"/>
+          <p:cNvPicPr>
+            <a:picLocks noChangeAspect="1"/>
+          </p:cNvPicPr>
           <p:nvPr/>
-        </p:nvSpPr>
+        </p:nvPicPr>
+        <p:blipFill>
+          <a:blip r:embed="rId3"/>
+          <a:stretch>
+            <a:fillRect/>
+          </a:stretch>
+        </p:blipFill>
         <p:spPr>
           <a:xfrm>
-            <a:off x="1061049" y="1526876"/>
-            <a:ext cx="3027872" cy="5089584"/>
+            <a:off x="5660115" y="2208362"/>
+            <a:ext cx="3612596" cy="3657600"/>
           </a:xfrm>
-          <a:prstGeom prst="roundRect">
+          <a:prstGeom prst="rect">
             <a:avLst/>
           </a:prstGeom>
         </p:spPr>
-        <p:style>
-          <a:lnRef idx="2">
-            <a:schemeClr val="accent1">
-              <a:shade val="50000"/>
-            </a:schemeClr>
-          </a:lnRef>
-          <a:fillRef idx="1">
-            <a:schemeClr val="accent1"/>
-          </a:fillRef>
-          <a:effectRef idx="0">
-            <a:schemeClr val="accent1"/>
-          </a:effectRef>
-          <a:fontRef idx="minor">
-            <a:schemeClr val="lt1"/>
-          </a:fontRef>
-        </p:style>
-        <p:txBody>
-          <a:bodyPr rtlCol="0" anchor="ctr"/>
-          <a:lstStyle/>
-          <a:p>
-            <a:pPr algn="ctr"/>
-            <a:r>
-              <a:rPr lang="en-US" dirty="0" smtClean="0"/>
-              <a:t>Algebraic geometry (latex)</a:t>
-            </a:r>
-          </a:p>
-          <a:p>
-            <a:pPr algn="ctr"/>
-            <a:endParaRPr lang="en-US" dirty="0"/>
-          </a:p>
-          <a:p>
-            <a:pPr algn="ctr"/>
-            <a:endParaRPr lang="en-US" dirty="0" smtClean="0"/>
-          </a:p>
-          <a:p>
-            <a:pPr algn="ctr"/>
-            <a:endParaRPr lang="en-US" dirty="0"/>
-          </a:p>
-          <a:p>
-            <a:pPr algn="ctr"/>
-            <a:endParaRPr lang="en-US" dirty="0" smtClean="0"/>
-          </a:p>
-          <a:p>
-            <a:pPr algn="ctr"/>
-            <a:endParaRPr lang="en-US" dirty="0"/>
-          </a:p>
-          <a:p>
-            <a:pPr algn="ctr"/>
-            <a:endParaRPr lang="en-US" dirty="0" smtClean="0"/>
-          </a:p>
-          <a:p>
-            <a:pPr algn="ctr"/>
-            <a:endParaRPr lang="en-US" dirty="0"/>
-          </a:p>
-          <a:p>
-            <a:pPr algn="ctr"/>
-            <a:endParaRPr lang="en-US" dirty="0" smtClean="0"/>
-          </a:p>
-          <a:p>
-            <a:pPr algn="ctr"/>
-            <a:endParaRPr lang="en-US" dirty="0"/>
-          </a:p>
-          <a:p>
-            <a:pPr algn="ctr"/>
-            <a:endParaRPr lang="en-US" dirty="0" smtClean="0"/>
-          </a:p>
-          <a:p>
-            <a:pPr algn="ctr"/>
-            <a:endParaRPr lang="en-US" dirty="0"/>
-          </a:p>
-          <a:p>
-            <a:pPr algn="ctr"/>
-            <a:endParaRPr lang="en-US" dirty="0" smtClean="0"/>
-          </a:p>
-          <a:p>
-            <a:pPr algn="ctr"/>
-            <a:endParaRPr lang="en-US" dirty="0"/>
-          </a:p>
-          <a:p>
-            <a:pPr algn="ctr"/>
-            <a:endParaRPr lang="en-US" dirty="0" smtClean="0"/>
-          </a:p>
-          <a:p>
-            <a:pPr algn="ctr"/>
-            <a:endParaRPr lang="en-US" dirty="0"/>
-          </a:p>
-          <a:p>
-            <a:pPr algn="ctr"/>
-            <a:endParaRPr lang="en-US" dirty="0" smtClean="0"/>
-          </a:p>
-          <a:p>
-            <a:pPr algn="ctr"/>
-            <a:endParaRPr lang="es-CO" dirty="0"/>
-          </a:p>
-        </p:txBody>
-      </p:sp>
-      <p:sp>
-        <p:nvSpPr>
-          <p:cNvPr id="5" name="Rounded Rectangle 4"/>
-          <p:cNvSpPr/>
-          <p:nvPr/>
-        </p:nvSpPr>
-        <p:spPr>
-          <a:xfrm>
-            <a:off x="4297393" y="1526876"/>
-            <a:ext cx="3027872" cy="5089584"/>
-          </a:xfrm>
-          <a:prstGeom prst="roundRect">
-            <a:avLst/>
-          </a:prstGeom>
-        </p:spPr>
-        <p:style>
-          <a:lnRef idx="2">
-            <a:schemeClr val="accent1">
-              <a:shade val="50000"/>
-            </a:schemeClr>
-          </a:lnRef>
-          <a:fillRef idx="1">
-            <a:schemeClr val="accent1"/>
-          </a:fillRef>
-          <a:effectRef idx="0">
-            <a:schemeClr val="accent1"/>
-          </a:effectRef>
-          <a:fontRef idx="minor">
-            <a:schemeClr val="lt1"/>
-          </a:fontRef>
-        </p:style>
-        <p:txBody>
-          <a:bodyPr rtlCol="0" anchor="ctr"/>
-          <a:lstStyle/>
-          <a:p>
-            <a:pPr algn="ctr"/>
-            <a:r>
-              <a:rPr lang="en-US" dirty="0" smtClean="0"/>
-              <a:t>Linux source code</a:t>
-            </a:r>
-          </a:p>
-          <a:p>
-            <a:pPr algn="ctr"/>
-            <a:endParaRPr lang="en-US" dirty="0"/>
-          </a:p>
-          <a:p>
-            <a:pPr algn="ctr"/>
-            <a:endParaRPr lang="en-US" dirty="0" smtClean="0"/>
-          </a:p>
-          <a:p>
-            <a:pPr algn="ctr"/>
-            <a:endParaRPr lang="en-US" dirty="0"/>
-          </a:p>
-          <a:p>
-            <a:pPr algn="ctr"/>
-            <a:endParaRPr lang="en-US" dirty="0" smtClean="0"/>
-          </a:p>
-          <a:p>
-            <a:pPr algn="ctr"/>
-            <a:endParaRPr lang="en-US" dirty="0"/>
-          </a:p>
-          <a:p>
-            <a:pPr algn="ctr"/>
-            <a:endParaRPr lang="en-US" dirty="0" smtClean="0"/>
-          </a:p>
-          <a:p>
-            <a:pPr algn="ctr"/>
-            <a:endParaRPr lang="en-US" dirty="0"/>
-          </a:p>
-          <a:p>
-            <a:pPr algn="ctr"/>
-            <a:endParaRPr lang="en-US" dirty="0" smtClean="0"/>
-          </a:p>
-          <a:p>
-            <a:pPr algn="ctr"/>
-            <a:endParaRPr lang="en-US" dirty="0"/>
-          </a:p>
-          <a:p>
-            <a:pPr algn="ctr"/>
-            <a:endParaRPr lang="en-US" dirty="0" smtClean="0"/>
-          </a:p>
-          <a:p>
-            <a:pPr algn="ctr"/>
-            <a:endParaRPr lang="en-US" dirty="0"/>
-          </a:p>
-          <a:p>
-            <a:pPr algn="ctr"/>
-            <a:endParaRPr lang="en-US" dirty="0" smtClean="0"/>
-          </a:p>
-          <a:p>
-            <a:pPr algn="ctr"/>
-            <a:endParaRPr lang="en-US" dirty="0"/>
-          </a:p>
-          <a:p>
-            <a:pPr algn="ctr"/>
-            <a:endParaRPr lang="en-US" dirty="0" smtClean="0"/>
-          </a:p>
-          <a:p>
-            <a:pPr algn="ctr"/>
-            <a:endParaRPr lang="en-US" dirty="0"/>
-          </a:p>
-          <a:p>
-            <a:pPr algn="ctr"/>
-            <a:endParaRPr lang="en-US" dirty="0" smtClean="0"/>
-          </a:p>
-          <a:p>
-            <a:pPr algn="ctr"/>
-            <a:endParaRPr lang="es-CO" dirty="0"/>
-          </a:p>
-        </p:txBody>
-      </p:sp>
-      <p:sp>
-        <p:nvSpPr>
-          <p:cNvPr id="6" name="Rounded Rectangle 5"/>
-          <p:cNvSpPr/>
-          <p:nvPr/>
-        </p:nvSpPr>
-        <p:spPr>
-          <a:xfrm>
-            <a:off x="7533737" y="1526876"/>
-            <a:ext cx="3027872" cy="5089584"/>
-          </a:xfrm>
-          <a:prstGeom prst="roundRect">
-            <a:avLst/>
-          </a:prstGeom>
-        </p:spPr>
-        <p:style>
-          <a:lnRef idx="2">
-            <a:schemeClr val="accent1">
-              <a:shade val="50000"/>
-            </a:schemeClr>
-          </a:lnRef>
-          <a:fillRef idx="1">
-            <a:schemeClr val="accent1"/>
-          </a:fillRef>
-          <a:effectRef idx="0">
-            <a:schemeClr val="accent1"/>
-          </a:effectRef>
-          <a:fontRef idx="minor">
-            <a:schemeClr val="lt1"/>
-          </a:fontRef>
-        </p:style>
-        <p:txBody>
-          <a:bodyPr rtlCol="0" anchor="ctr"/>
-          <a:lstStyle/>
-          <a:p>
-            <a:pPr algn="ctr"/>
-            <a:r>
-              <a:rPr lang="en-US" dirty="0" smtClean="0"/>
-              <a:t>Generating baby names</a:t>
-            </a:r>
-          </a:p>
-          <a:p>
-            <a:pPr algn="ctr"/>
-            <a:endParaRPr lang="en-US" dirty="0"/>
-          </a:p>
-          <a:p>
-            <a:pPr algn="ctr"/>
-            <a:endParaRPr lang="en-US" dirty="0" smtClean="0"/>
-          </a:p>
-          <a:p>
-            <a:pPr algn="ctr"/>
-            <a:endParaRPr lang="en-US" dirty="0"/>
-          </a:p>
-          <a:p>
-            <a:pPr algn="ctr"/>
-            <a:endParaRPr lang="en-US" dirty="0" smtClean="0"/>
-          </a:p>
-          <a:p>
-            <a:pPr algn="ctr"/>
-            <a:endParaRPr lang="en-US" dirty="0"/>
-          </a:p>
-          <a:p>
-            <a:pPr algn="ctr"/>
-            <a:endParaRPr lang="en-US" dirty="0" smtClean="0"/>
-          </a:p>
-          <a:p>
-            <a:pPr algn="ctr"/>
-            <a:endParaRPr lang="en-US" dirty="0"/>
-          </a:p>
-          <a:p>
-            <a:pPr algn="ctr"/>
-            <a:endParaRPr lang="en-US" dirty="0" smtClean="0"/>
-          </a:p>
-          <a:p>
-            <a:pPr algn="ctr"/>
-            <a:endParaRPr lang="en-US" dirty="0"/>
-          </a:p>
-          <a:p>
-            <a:pPr algn="ctr"/>
-            <a:endParaRPr lang="en-US" dirty="0" smtClean="0"/>
-          </a:p>
-          <a:p>
-            <a:pPr algn="ctr"/>
-            <a:endParaRPr lang="en-US" dirty="0"/>
-          </a:p>
-          <a:p>
-            <a:pPr algn="ctr"/>
-            <a:endParaRPr lang="en-US" dirty="0" smtClean="0"/>
-          </a:p>
-          <a:p>
-            <a:pPr algn="ctr"/>
-            <a:endParaRPr lang="en-US" dirty="0"/>
-          </a:p>
-          <a:p>
-            <a:pPr algn="ctr"/>
-            <a:endParaRPr lang="en-US" dirty="0" smtClean="0"/>
-          </a:p>
-          <a:p>
-            <a:pPr algn="ctr"/>
-            <a:endParaRPr lang="en-US" dirty="0"/>
-          </a:p>
-          <a:p>
-            <a:pPr algn="ctr"/>
-            <a:endParaRPr lang="en-US" dirty="0" smtClean="0"/>
-          </a:p>
-          <a:p>
-            <a:pPr algn="ctr"/>
-            <a:endParaRPr lang="es-CO" dirty="0"/>
-          </a:p>
-        </p:txBody>
-      </p:sp>
+      </p:pic>
     </p:spTree>
     <p:extLst>
       <p:ext uri="{BB962C8B-B14F-4D97-AF65-F5344CB8AC3E}">
         <p14:creationId xmlns:p14="http://schemas.microsoft.com/office/powerpoint/2010/main" val="1897746589"/>
-      </p:ext>
-    </p:extLst>
-  </p:cSld>
-  <p:clrMapOvr>
-    <a:masterClrMapping/>
-  </p:clrMapOvr>
-</p:sld>
-</file>
-
-<file path=ppt/slides/slide9.xml><?xml version="1.0" encoding="utf-8"?>
-<p:sld xmlns:a="http://schemas.openxmlformats.org/drawingml/2006/main" xmlns:r="http://schemas.openxmlformats.org/officeDocument/2006/relationships" xmlns:p="http://schemas.openxmlformats.org/presentationml/2006/main">
-  <p:cSld>
-    <p:spTree>
-      <p:nvGrpSpPr>
-        <p:cNvPr id="1" name=""/>
-        <p:cNvGrpSpPr/>
-        <p:nvPr/>
-      </p:nvGrpSpPr>
-      <p:grpSpPr>
-        <a:xfrm>
-          <a:off x="0" y="0"/>
-          <a:ext cx="0" cy="0"/>
-          <a:chOff x="0" y="0"/>
-          <a:chExt cx="0" cy="0"/>
-        </a:xfrm>
-      </p:grpSpPr>
-      <p:sp>
-        <p:nvSpPr>
-          <p:cNvPr id="2" name="Title 1"/>
-          <p:cNvSpPr>
-            <a:spLocks noGrp="1"/>
-          </p:cNvSpPr>
-          <p:nvPr>
-            <p:ph type="title"/>
-          </p:nvPr>
-        </p:nvSpPr>
-        <p:spPr/>
-        <p:txBody>
-          <a:bodyPr/>
-          <a:lstStyle/>
-          <a:p>
-            <a:r>
-              <a:rPr lang="en-US" b="1" dirty="0" smtClean="0"/>
-              <a:t>Future perspectives</a:t>
-            </a:r>
-            <a:endParaRPr lang="es-CO" b="1" dirty="0"/>
-          </a:p>
-        </p:txBody>
-      </p:sp>
-      <p:sp>
-        <p:nvSpPr>
-          <p:cNvPr id="3" name="Content Placeholder 2"/>
-          <p:cNvSpPr>
-            <a:spLocks noGrp="1"/>
-          </p:cNvSpPr>
-          <p:nvPr>
-            <p:ph idx="1"/>
-          </p:nvPr>
-        </p:nvSpPr>
-        <p:spPr/>
-        <p:txBody>
-          <a:bodyPr/>
-          <a:lstStyle/>
-          <a:p>
-            <a:endParaRPr lang="es-CO"/>
-          </a:p>
-        </p:txBody>
-      </p:sp>
-    </p:spTree>
-    <p:extLst>
-      <p:ext uri="{BB962C8B-B14F-4D97-AF65-F5344CB8AC3E}">
-        <p14:creationId xmlns:p14="http://schemas.microsoft.com/office/powerpoint/2010/main" val="1125918944"/>
       </p:ext>
     </p:extLst>
   </p:cSld>
